--- a/Webinar/2023-03-09 - What is Data Lakehouse/Mikä ihmeen Data Lakehouse - FI.pptx
+++ b/Webinar/2023-03-09 - What is Data Lakehouse/Mikä ihmeen Data Lakehouse - FI.pptx
@@ -144,7 +144,6 @@
 <p1510:revInfo xmlns:a="http://schemas.openxmlformats.org/drawingml/2006/main" xmlns:r="http://schemas.openxmlformats.org/officeDocument/2006/relationships" xmlns:p1510="http://schemas.microsoft.com/office/powerpoint/2015/10/main">
   <p1510:revLst>
     <p1510:client id="{4D7EA2FE-AA60-42C0-B817-A7F189A6D962}" v="18" dt="2023-03-06T11:32:20.705"/>
-    <p1510:client id="{7FF192CC-DFA1-4020-A9C5-1BFA9DD1E302}" v="98" dt="2023-03-06T09:33:13.369"/>
   </p1510:revLst>
 </p1510:revInfo>
 </file>
@@ -2157,7 +2156,7 @@
   <pc:docChgLst>
     <pc:chgData name="Ari Rämö" userId="c1371f72-b237-4127-8a9d-98176e979a17" providerId="ADAL" clId="{4D7EA2FE-AA60-42C0-B817-A7F189A6D962}"/>
     <pc:docChg chg="undo custSel addSld modSld">
-      <pc:chgData name="Ari Rämö" userId="c1371f72-b237-4127-8a9d-98176e979a17" providerId="ADAL" clId="{4D7EA2FE-AA60-42C0-B817-A7F189A6D962}" dt="2023-03-06T11:36:30.671" v="3132" actId="1076"/>
+      <pc:chgData name="Ari Rämö" userId="c1371f72-b237-4127-8a9d-98176e979a17" providerId="ADAL" clId="{4D7EA2FE-AA60-42C0-B817-A7F189A6D962}" dt="2023-03-07T09:44:53.648" v="3198" actId="692"/>
       <pc:docMkLst>
         <pc:docMk/>
       </pc:docMkLst>
@@ -2985,8 +2984,8 @@
           </ac:spMkLst>
         </pc:spChg>
       </pc:sldChg>
-      <pc:sldChg chg="modSp mod">
-        <pc:chgData name="Ari Rämö" userId="c1371f72-b237-4127-8a9d-98176e979a17" providerId="ADAL" clId="{4D7EA2FE-AA60-42C0-B817-A7F189A6D962}" dt="2023-03-06T10:31:48.040" v="2969" actId="1037"/>
+      <pc:sldChg chg="addSp modSp mod">
+        <pc:chgData name="Ari Rämö" userId="c1371f72-b237-4127-8a9d-98176e979a17" providerId="ADAL" clId="{4D7EA2FE-AA60-42C0-B817-A7F189A6D962}" dt="2023-03-07T09:44:53.648" v="3198" actId="692"/>
         <pc:sldMkLst>
           <pc:docMk/>
           <pc:sldMk cId="509207998" sldId="294"/>
@@ -3008,7 +3007,7 @@
           </ac:spMkLst>
         </pc:spChg>
         <pc:spChg chg="mod">
-          <ac:chgData name="Ari Rämö" userId="c1371f72-b237-4127-8a9d-98176e979a17" providerId="ADAL" clId="{4D7EA2FE-AA60-42C0-B817-A7F189A6D962}" dt="2023-03-06T10:26:40.086" v="2772" actId="1037"/>
+          <ac:chgData name="Ari Rämö" userId="c1371f72-b237-4127-8a9d-98176e979a17" providerId="ADAL" clId="{4D7EA2FE-AA60-42C0-B817-A7F189A6D962}" dt="2023-03-07T09:39:41.973" v="3157" actId="1076"/>
           <ac:spMkLst>
             <pc:docMk/>
             <pc:sldMk cId="509207998" sldId="294"/>
@@ -3040,7 +3039,7 @@
           </ac:spMkLst>
         </pc:spChg>
         <pc:spChg chg="mod">
-          <ac:chgData name="Ari Rämö" userId="c1371f72-b237-4127-8a9d-98176e979a17" providerId="ADAL" clId="{4D7EA2FE-AA60-42C0-B817-A7F189A6D962}" dt="2023-03-06T10:26:40.086" v="2772" actId="1037"/>
+          <ac:chgData name="Ari Rämö" userId="c1371f72-b237-4127-8a9d-98176e979a17" providerId="ADAL" clId="{4D7EA2FE-AA60-42C0-B817-A7F189A6D962}" dt="2023-03-07T09:43:10.089" v="3172" actId="1076"/>
           <ac:spMkLst>
             <pc:docMk/>
             <pc:sldMk cId="509207998" sldId="294"/>
@@ -3048,7 +3047,7 @@
           </ac:spMkLst>
         </pc:spChg>
         <pc:spChg chg="mod">
-          <ac:chgData name="Ari Rämö" userId="c1371f72-b237-4127-8a9d-98176e979a17" providerId="ADAL" clId="{4D7EA2FE-AA60-42C0-B817-A7F189A6D962}" dt="2023-03-06T10:31:48.040" v="2969" actId="1037"/>
+          <ac:chgData name="Ari Rämö" userId="c1371f72-b237-4127-8a9d-98176e979a17" providerId="ADAL" clId="{4D7EA2FE-AA60-42C0-B817-A7F189A6D962}" dt="2023-03-07T09:43:32.896" v="3173" actId="1076"/>
           <ac:spMkLst>
             <pc:docMk/>
             <pc:sldMk cId="509207998" sldId="294"/>
@@ -3064,7 +3063,7 @@
           </ac:spMkLst>
         </pc:spChg>
         <pc:spChg chg="mod">
-          <ac:chgData name="Ari Rämö" userId="c1371f72-b237-4127-8a9d-98176e979a17" providerId="ADAL" clId="{4D7EA2FE-AA60-42C0-B817-A7F189A6D962}" dt="2023-03-06T10:31:48.040" v="2969" actId="1037"/>
+          <ac:chgData name="Ari Rämö" userId="c1371f72-b237-4127-8a9d-98176e979a17" providerId="ADAL" clId="{4D7EA2FE-AA60-42C0-B817-A7F189A6D962}" dt="2023-03-07T09:42:19.680" v="3168" actId="1076"/>
           <ac:spMkLst>
             <pc:docMk/>
             <pc:sldMk cId="509207998" sldId="294"/>
@@ -3080,13 +3079,21 @@
           </ac:spMkLst>
         </pc:spChg>
         <pc:graphicFrameChg chg="mod modGraphic">
-          <ac:chgData name="Ari Rämö" userId="c1371f72-b237-4127-8a9d-98176e979a17" providerId="ADAL" clId="{4D7EA2FE-AA60-42C0-B817-A7F189A6D962}" dt="2023-03-06T10:31:32.748" v="2962" actId="20577"/>
+          <ac:chgData name="Ari Rämö" userId="c1371f72-b237-4127-8a9d-98176e979a17" providerId="ADAL" clId="{4D7EA2FE-AA60-42C0-B817-A7F189A6D962}" dt="2023-03-07T09:43:40.264" v="3187" actId="20577"/>
           <ac:graphicFrameMkLst>
             <pc:docMk/>
             <pc:sldMk cId="509207998" sldId="294"/>
             <ac:graphicFrameMk id="5" creationId="{C8A03B78-5189-24B1-772C-A0E272B648D4}"/>
           </ac:graphicFrameMkLst>
         </pc:graphicFrameChg>
+        <pc:cxnChg chg="add mod">
+          <ac:chgData name="Ari Rämö" userId="c1371f72-b237-4127-8a9d-98176e979a17" providerId="ADAL" clId="{4D7EA2FE-AA60-42C0-B817-A7F189A6D962}" dt="2023-03-07T09:44:53.648" v="3198" actId="692"/>
+          <ac:cxnSpMkLst>
+            <pc:docMk/>
+            <pc:sldMk cId="509207998" sldId="294"/>
+            <ac:cxnSpMk id="10" creationId="{C38397BF-32C5-3AEC-DE06-0F61DEA08C70}"/>
+          </ac:cxnSpMkLst>
+        </pc:cxnChg>
       </pc:sldChg>
       <pc:sldChg chg="modSp add mod">
         <pc:chgData name="Ari Rämö" userId="c1371f72-b237-4127-8a9d-98176e979a17" providerId="ADAL" clId="{4D7EA2FE-AA60-42C0-B817-A7F189A6D962}" dt="2023-03-06T11:31:57.729" v="3114" actId="790"/>
@@ -3225,7 +3232,7 @@
           <a:p>
             <a:fld id="{BACD2BBF-A1DE-4D68-9376-D891CD346F22}" type="datetimeFigureOut">
               <a:rPr lang="fi-FI" smtClean="0"/>
-              <a:t>6.3.2023</a:t>
+              <a:t>7.3.2023</a:t>
             </a:fld>
             <a:endParaRPr lang="fi-FI"/>
           </a:p>
@@ -3406,7 +3413,7 @@
           <a:p>
             <a:fld id="{3B7FD556-CF05-41E6-92BD-14A1450EE736}" type="datetimeFigureOut">
               <a:rPr lang="fi-FI" smtClean="0"/>
-              <a:t>6.3.2023</a:t>
+              <a:t>7.3.2023</a:t>
             </a:fld>
             <a:endParaRPr lang="fi-FI"/>
           </a:p>
@@ -4629,7 +4636,7 @@
           <a:p>
             <a:fld id="{E6551A54-3591-48E1-84DB-F11B79CA73BB}" type="datetime1">
               <a:rPr lang="fi-FI" smtClean="0"/>
-              <a:t>6.3.2023</a:t>
+              <a:t>7.3.2023</a:t>
             </a:fld>
             <a:endParaRPr lang="fi-FI" dirty="0"/>
           </a:p>
@@ -5001,7 +5008,7 @@
           <a:p>
             <a:fld id="{43271DA3-F934-4C2C-A52B-2A23A1B77C1B}" type="datetime1">
               <a:rPr lang="fi-FI" smtClean="0"/>
-              <a:t>6.3.2023</a:t>
+              <a:t>7.3.2023</a:t>
             </a:fld>
             <a:endParaRPr lang="fi-FI" dirty="0"/>
           </a:p>
@@ -5286,7 +5293,7 @@
           <a:p>
             <a:fld id="{43271DA3-F934-4C2C-A52B-2A23A1B77C1B}" type="datetime1">
               <a:rPr lang="fi-FI" smtClean="0"/>
-              <a:t>6.3.2023</a:t>
+              <a:t>7.3.2023</a:t>
             </a:fld>
             <a:endParaRPr lang="fi-FI" dirty="0"/>
           </a:p>
@@ -5517,7 +5524,7 @@
           <a:p>
             <a:fld id="{3040C543-4876-413F-8583-25B520277E89}" type="datetime1">
               <a:rPr lang="fi-FI" smtClean="0"/>
-              <a:t>6.3.2023</a:t>
+              <a:t>7.3.2023</a:t>
             </a:fld>
             <a:endParaRPr lang="fi-FI" dirty="0"/>
           </a:p>
@@ -5718,7 +5725,7 @@
           <a:p>
             <a:fld id="{928FEBCD-C2F8-4126-9C7B-2C6DE3068E92}" type="datetime1">
               <a:rPr lang="fi-FI" smtClean="0"/>
-              <a:t>6.3.2023</a:t>
+              <a:t>7.3.2023</a:t>
             </a:fld>
             <a:endParaRPr lang="fi-FI" dirty="0"/>
           </a:p>
@@ -5955,7 +5962,7 @@
           <a:p>
             <a:fld id="{A0D5FB9E-77AE-43F1-A57D-CF567029E3AE}" type="datetime1">
               <a:rPr lang="fi-FI" smtClean="0"/>
-              <a:t>6.3.2023</a:t>
+              <a:t>7.3.2023</a:t>
             </a:fld>
             <a:endParaRPr lang="fi-FI" dirty="0"/>
           </a:p>
@@ -6192,7 +6199,7 @@
           <a:p>
             <a:fld id="{E10F8034-94B0-40CB-8486-AE962194888A}" type="datetime1">
               <a:rPr lang="fi-FI" smtClean="0"/>
-              <a:t>6.3.2023</a:t>
+              <a:t>7.3.2023</a:t>
             </a:fld>
             <a:endParaRPr lang="fi-FI" dirty="0"/>
           </a:p>
@@ -6548,7 +6555,7 @@
           <a:p>
             <a:fld id="{0175D77C-FC19-4265-8910-2B3C039D0767}" type="datetime1">
               <a:rPr lang="fi-FI" smtClean="0"/>
-              <a:t>6.3.2023</a:t>
+              <a:t>7.3.2023</a:t>
             </a:fld>
             <a:endParaRPr lang="fi-FI" dirty="0"/>
           </a:p>
@@ -6957,7 +6964,7 @@
           <a:p>
             <a:fld id="{8ACFA777-268B-46D2-99BB-09A1F84F63FD}" type="datetime1">
               <a:rPr lang="fi-FI" smtClean="0"/>
-              <a:t>6.3.2023</a:t>
+              <a:t>7.3.2023</a:t>
             </a:fld>
             <a:endParaRPr lang="fi-FI" dirty="0"/>
           </a:p>
@@ -7256,7 +7263,7 @@
           <a:p>
             <a:fld id="{229C30E6-D71E-4ECD-AD9A-B156D896CCB2}" type="datetime1">
               <a:rPr lang="fi-FI" smtClean="0"/>
-              <a:t>6.3.2023</a:t>
+              <a:t>7.3.2023</a:t>
             </a:fld>
             <a:endParaRPr lang="fi-FI" dirty="0"/>
           </a:p>
@@ -7947,7 +7954,7 @@
           <a:p>
             <a:fld id="{466CDA51-C9D0-4CEE-BA5C-69FDCB16F318}" type="datetime1">
               <a:rPr lang="fi-FI" smtClean="0"/>
-              <a:t>6.3.2023</a:t>
+              <a:t>7.3.2023</a:t>
             </a:fld>
             <a:endParaRPr lang="fi-FI" dirty="0"/>
           </a:p>
@@ -8354,7 +8361,7 @@
           <a:p>
             <a:fld id="{0BCD6513-B345-4E70-9109-3827F387492B}" type="datetime1">
               <a:rPr lang="fi-FI" smtClean="0"/>
-              <a:t>6.3.2023</a:t>
+              <a:t>7.3.2023</a:t>
             </a:fld>
             <a:endParaRPr lang="fi-FI" dirty="0"/>
           </a:p>
@@ -8590,7 +8597,7 @@
           <a:p>
             <a:fld id="{5DBEF78A-336C-449D-9630-030B4DB233C7}" type="datetime1">
               <a:rPr lang="fi-FI" smtClean="0"/>
-              <a:t>6.3.2023</a:t>
+              <a:t>7.3.2023</a:t>
             </a:fld>
             <a:endParaRPr lang="fi-FI" dirty="0"/>
           </a:p>
@@ -8796,7 +8803,7 @@
           <a:p>
             <a:fld id="{5DBEF78A-336C-449D-9630-030B4DB233C7}" type="datetime1">
               <a:rPr lang="fi-FI" smtClean="0"/>
-              <a:t>6.3.2023</a:t>
+              <a:t>7.3.2023</a:t>
             </a:fld>
             <a:endParaRPr lang="fi-FI" dirty="0"/>
           </a:p>
@@ -9115,7 +9122,7 @@
           <a:p>
             <a:fld id="{72E2B654-0F0D-4A21-AB3F-E995C656A4DE}" type="datetime1">
               <a:rPr lang="fi-FI" smtClean="0"/>
-              <a:t>6.3.2023</a:t>
+              <a:t>7.3.2023</a:t>
             </a:fld>
             <a:endParaRPr lang="fi-FI" dirty="0"/>
           </a:p>
@@ -9351,7 +9358,7 @@
           <a:p>
             <a:fld id="{276EF46B-621A-4182-9067-73601CD0FC25}" type="datetime1">
               <a:rPr lang="fi-FI" smtClean="0"/>
-              <a:t>6.3.2023</a:t>
+              <a:t>7.3.2023</a:t>
             </a:fld>
             <a:endParaRPr lang="fi-FI" dirty="0"/>
           </a:p>
@@ -9587,7 +9594,7 @@
           <a:p>
             <a:fld id="{9E1AA9C8-2392-4CBA-9F3D-3657CD00435F}" type="datetime1">
               <a:rPr lang="fi-FI" smtClean="0"/>
-              <a:t>6.3.2023</a:t>
+              <a:t>7.3.2023</a:t>
             </a:fld>
             <a:endParaRPr lang="fi-FI" dirty="0"/>
           </a:p>
@@ -9942,7 +9949,7 @@
           <a:p>
             <a:fld id="{549BDFF2-A922-414E-BDD5-2194B2D38663}" type="datetime1">
               <a:rPr lang="fi-FI" smtClean="0"/>
-              <a:t>6.3.2023</a:t>
+              <a:t>7.3.2023</a:t>
             </a:fld>
             <a:endParaRPr lang="fi-FI" dirty="0"/>
           </a:p>
@@ -10350,7 +10357,7 @@
           <a:p>
             <a:fld id="{36BA4017-6820-493A-8B9A-29E5BA37CC94}" type="datetime1">
               <a:rPr lang="fi-FI" smtClean="0"/>
-              <a:t>6.3.2023</a:t>
+              <a:t>7.3.2023</a:t>
             </a:fld>
             <a:endParaRPr lang="fi-FI" dirty="0"/>
           </a:p>
@@ -10648,7 +10655,7 @@
           <a:p>
             <a:fld id="{EE38FF4D-49BB-4D26-A23B-4E8B9687C273}" type="datetime1">
               <a:rPr lang="fi-FI" smtClean="0"/>
-              <a:t>6.3.2023</a:t>
+              <a:t>7.3.2023</a:t>
             </a:fld>
             <a:endParaRPr lang="fi-FI" dirty="0"/>
           </a:p>
@@ -12469,7 +12476,7 @@
           <a:p>
             <a:fld id="{70093DFB-5BF9-4CD4-903D-88927E4279B7}" type="datetime1">
               <a:rPr lang="fi-FI" smtClean="0"/>
-              <a:t>6.3.2023</a:t>
+              <a:t>7.3.2023</a:t>
             </a:fld>
             <a:endParaRPr lang="fi-FI" dirty="0"/>
           </a:p>
@@ -19584,7 +19591,7 @@
             <p:ph sz="half" idx="1"/>
             <p:extLst>
               <p:ext uri="{D42A27DB-BD31-4B8C-83A1-F6EECF244321}">
-                <p14:modId xmlns:p14="http://schemas.microsoft.com/office/powerpoint/2010/main" val="668833252"/>
+                <p14:modId xmlns:p14="http://schemas.microsoft.com/office/powerpoint/2010/main" val="2240823088"/>
               </p:ext>
             </p:extLst>
           </p:nvPr>
@@ -19678,8 +19685,8 @@
                     <a:lstStyle/>
                     <a:p>
                       <a:r>
-                        <a:rPr lang="fi-FI" noProof="0"/>
-                        <a:t>Raportointi “sellaisenaan”</a:t>
+                        <a:rPr lang="fi-FI" noProof="0" dirty="0"/>
+                        <a:t>Raakadata raportointi</a:t>
                       </a:r>
                     </a:p>
                   </a:txBody>
@@ -19763,7 +19770,7 @@
                     <a:p>
                       <a:r>
                         <a:rPr lang="fi-FI" noProof="0" dirty="0"/>
-                        <a:t>Vasteaika</a:t>
+                        <a:t>Kyselyvasteaika</a:t>
                       </a:r>
                     </a:p>
                   </a:txBody>
@@ -19931,7 +19938,7 @@
                     <a:p>
                       <a:r>
                         <a:rPr lang="fi-FI" noProof="0" dirty="0"/>
-                        <a:t>Yleinen osaamistaso</a:t>
+                        <a:t>Osaajien määrä</a:t>
                       </a:r>
                     </a:p>
                   </a:txBody>
@@ -20067,7 +20074,7 @@
         </p:nvSpPr>
         <p:spPr>
           <a:xfrm>
-            <a:off x="5520973" y="2973499"/>
+            <a:off x="4927080" y="2992848"/>
             <a:ext cx="2064470" cy="252167"/>
           </a:xfrm>
           <a:prstGeom prst="roundRect">
@@ -20255,7 +20262,7 @@
         </p:nvSpPr>
         <p:spPr>
           <a:xfrm>
-            <a:off x="5250738" y="4845312"/>
+            <a:off x="5312009" y="4835886"/>
             <a:ext cx="2064470" cy="252167"/>
           </a:xfrm>
           <a:prstGeom prst="roundRect">
@@ -20302,7 +20309,7 @@
         </p:nvSpPr>
         <p:spPr>
           <a:xfrm>
-            <a:off x="6213838" y="5207794"/>
+            <a:off x="6213838" y="5209983"/>
             <a:ext cx="2064470" cy="252167"/>
           </a:xfrm>
           <a:prstGeom prst="roundRect">
@@ -20396,7 +20403,7 @@
         </p:nvSpPr>
         <p:spPr>
           <a:xfrm>
-            <a:off x="5679138" y="4473404"/>
+            <a:off x="4927080" y="4463455"/>
             <a:ext cx="2064470" cy="252167"/>
           </a:xfrm>
           <a:prstGeom prst="roundRect">
@@ -20476,6 +20483,43 @@
           </a:p>
         </p:txBody>
       </p:sp>
+      <p:cxnSp>
+        <p:nvCxnSpPr>
+          <p:cNvPr id="10" name="Straight Connector 9">
+            <a:extLst>
+              <a:ext uri="{FF2B5EF4-FFF2-40B4-BE49-F238E27FC236}">
+                <a16:creationId xmlns:a16="http://schemas.microsoft.com/office/drawing/2014/main" id="{C38397BF-32C5-3AEC-DE06-0F61DEA08C70}"/>
+              </a:ext>
+            </a:extLst>
+          </p:cNvPr>
+          <p:cNvCxnSpPr/>
+          <p:nvPr/>
+        </p:nvCxnSpPr>
+        <p:spPr>
+          <a:xfrm>
+            <a:off x="6551629" y="2922309"/>
+            <a:ext cx="0" cy="3348941"/>
+          </a:xfrm>
+          <a:prstGeom prst="line">
+            <a:avLst/>
+          </a:prstGeom>
+          <a:ln w="19050"/>
+        </p:spPr>
+        <p:style>
+          <a:lnRef idx="1">
+            <a:schemeClr val="dk1"/>
+          </a:lnRef>
+          <a:fillRef idx="0">
+            <a:schemeClr val="dk1"/>
+          </a:fillRef>
+          <a:effectRef idx="0">
+            <a:schemeClr val="dk1"/>
+          </a:effectRef>
+          <a:fontRef idx="minor">
+            <a:schemeClr val="tx1"/>
+          </a:fontRef>
+        </p:style>
+      </p:cxnSp>
     </p:spTree>
     <p:extLst>
       <p:ext uri="{BB962C8B-B14F-4D97-AF65-F5344CB8AC3E}">
@@ -23503,7 +23547,7 @@
           <a:lstStyle/>
           <a:p>
             <a:r>
-              <a:rPr lang="fi-FI"/>
+              <a:rPr lang="fi-FI" dirty="0"/>
               <a:t>Klassinen</a:t>
             </a:r>
           </a:p>
@@ -23564,9 +23608,14 @@
           <a:lstStyle/>
           <a:p>
             <a:r>
-              <a:rPr lang="fi-FI"/>
-              <a:t>On-premise</a:t>
-            </a:r>
+              <a:rPr lang="fi-FI" dirty="0"/>
+              <a:t>On-</a:t>
+            </a:r>
+            <a:r>
+              <a:rPr lang="fi-FI" dirty="0" err="1"/>
+              <a:t>premise</a:t>
+            </a:r>
+            <a:endParaRPr lang="fi-FI" dirty="0"/>
           </a:p>
         </p:txBody>
       </p:sp>
